--- a/Documentation/Presentation.pptx
+++ b/Documentation/Presentation.pptx
@@ -9,6 +9,11 @@
     <p:sldId id="257" r:id="rId3"/>
     <p:sldId id="258" r:id="rId4"/>
     <p:sldId id="259" r:id="rId5"/>
+    <p:sldId id="260" r:id="rId6"/>
+    <p:sldId id="261" r:id="rId7"/>
+    <p:sldId id="262" r:id="rId8"/>
+    <p:sldId id="263" r:id="rId9"/>
+    <p:sldId id="264" r:id="rId10"/>
   </p:sldIdLst>
   <p:sldSz cx="9144000" cy="6858000" type="screen4x3"/>
   <p:notesSz cx="6858000" cy="9144000"/>
@@ -4294,25 +4299,72 @@
           </a:p>
         </p:txBody>
       </p:sp>
-      <p:sp>
-        <p:nvSpPr>
-          <p:cNvPr id="3" name="Content Placeholder 2"/>
-          <p:cNvSpPr>
-            <a:spLocks noGrp="1"/>
-          </p:cNvSpPr>
+      <p:pic>
+        <p:nvPicPr>
+          <p:cNvPr id="4103" name="Picture 7"/>
+          <p:cNvPicPr>
+            <a:picLocks noGrp="1" noChangeAspect="1" noChangeArrowheads="1"/>
+          </p:cNvPicPr>
           <p:nvPr>
             <p:ph idx="1"/>
           </p:nvPr>
-        </p:nvSpPr>
-        <p:spPr/>
-        <p:txBody>
-          <a:bodyPr/>
-          <a:lstStyle/>
-          <a:p>
-            <a:endParaRPr lang="en-US" dirty="0"/>
-          </a:p>
-        </p:txBody>
-      </p:sp>
+        </p:nvPicPr>
+        <p:blipFill>
+          <a:blip r:embed="rId2">
+            <a:extLst>
+              <a:ext uri="{28A0092B-C50C-407E-A947-70E740481C1C}">
+                <a14:useLocalDpi xmlns:a14="http://schemas.microsoft.com/office/drawing/2010/main" val="0"/>
+              </a:ext>
+            </a:extLst>
+          </a:blip>
+          <a:srcRect/>
+          <a:stretch>
+            <a:fillRect/>
+          </a:stretch>
+        </p:blipFill>
+        <p:spPr bwMode="auto">
+          <a:xfrm>
+            <a:off x="607156" y="2280819"/>
+            <a:ext cx="7929688" cy="3698125"/>
+          </a:xfrm>
+          <a:prstGeom prst="rect">
+            <a:avLst/>
+          </a:prstGeom>
+          <a:noFill/>
+          <a:ln>
+            <a:noFill/>
+          </a:ln>
+          <a:effectLst/>
+          <a:extLst>
+            <a:ext uri="{909E8E84-426E-40DD-AFC4-6F175D3DCCD1}">
+              <a14:hiddenFill xmlns:a14="http://schemas.microsoft.com/office/drawing/2010/main">
+                <a:solidFill>
+                  <a:schemeClr val="accent1"/>
+                </a:solidFill>
+              </a14:hiddenFill>
+            </a:ext>
+            <a:ext uri="{91240B29-F687-4F45-9708-019B960494DF}">
+              <a14:hiddenLine xmlns:a14="http://schemas.microsoft.com/office/drawing/2010/main" w="9525">
+                <a:solidFill>
+                  <a:schemeClr val="tx1"/>
+                </a:solidFill>
+                <a:miter lim="800000"/>
+                <a:headEnd/>
+                <a:tailEnd/>
+              </a14:hiddenLine>
+            </a:ext>
+            <a:ext uri="{AF507438-7753-43E0-B8FC-AC1667EBCBE1}">
+              <a14:hiddenEffects xmlns:a14="http://schemas.microsoft.com/office/drawing/2010/main">
+                <a:effectLst>
+                  <a:outerShdw dist="35921" dir="2700000" algn="ctr" rotWithShape="0">
+                    <a:schemeClr val="bg2"/>
+                  </a:outerShdw>
+                </a:effectLst>
+              </a14:hiddenEffects>
+            </a:ext>
+          </a:extLst>
+        </p:spPr>
+      </p:pic>
     </p:spTree>
     <p:extLst>
       <p:ext uri="{BB962C8B-B14F-4D97-AF65-F5344CB8AC3E}">
@@ -4323,6 +4375,680 @@
   <p:clrMapOvr>
     <a:masterClrMapping/>
   </p:clrMapOvr>
+  <p:timing>
+    <p:tnLst>
+      <p:par>
+        <p:cTn id="1" dur="indefinite" restart="never" nodeType="tmRoot"/>
+      </p:par>
+    </p:tnLst>
+  </p:timing>
+</p:sld>
+</file>
+
+<file path=ppt/slides/slide5.xml><?xml version="1.0" encoding="utf-8"?>
+<p:sld xmlns:a="http://schemas.openxmlformats.org/drawingml/2006/main" xmlns:r="http://schemas.openxmlformats.org/officeDocument/2006/relationships" xmlns:p="http://schemas.openxmlformats.org/presentationml/2006/main">
+  <p:cSld>
+    <p:spTree>
+      <p:nvGrpSpPr>
+        <p:cNvPr id="1" name=""/>
+        <p:cNvGrpSpPr/>
+        <p:nvPr/>
+      </p:nvGrpSpPr>
+      <p:grpSpPr>
+        <a:xfrm>
+          <a:off x="0" y="0"/>
+          <a:ext cx="0" cy="0"/>
+          <a:chOff x="0" y="0"/>
+          <a:chExt cx="0" cy="0"/>
+        </a:xfrm>
+      </p:grpSpPr>
+      <p:sp>
+        <p:nvSpPr>
+          <p:cNvPr id="2" name="Title 1"/>
+          <p:cNvSpPr>
+            <a:spLocks noGrp="1"/>
+          </p:cNvSpPr>
+          <p:nvPr>
+            <p:ph type="title"/>
+          </p:nvPr>
+        </p:nvSpPr>
+        <p:spPr/>
+        <p:txBody>
+          <a:bodyPr/>
+          <a:lstStyle/>
+          <a:p>
+            <a:pPr algn="ctr"/>
+            <a:r>
+              <a:rPr lang="en-US" dirty="0" smtClean="0"/>
+              <a:t>Architecture - </a:t>
+            </a:r>
+            <a:r>
+              <a:rPr lang="en-US" dirty="0"/>
+              <a:t>I</a:t>
+            </a:r>
+          </a:p>
+        </p:txBody>
+      </p:sp>
+      <p:pic>
+        <p:nvPicPr>
+          <p:cNvPr id="5122" name="Picture 2"/>
+          <p:cNvPicPr>
+            <a:picLocks noGrp="1" noChangeAspect="1" noChangeArrowheads="1"/>
+          </p:cNvPicPr>
+          <p:nvPr>
+            <p:ph idx="1"/>
+          </p:nvPr>
+        </p:nvPicPr>
+        <p:blipFill>
+          <a:blip r:embed="rId2">
+            <a:extLst>
+              <a:ext uri="{28A0092B-C50C-407E-A947-70E740481C1C}">
+                <a14:useLocalDpi xmlns:a14="http://schemas.microsoft.com/office/drawing/2010/main" val="0"/>
+              </a:ext>
+            </a:extLst>
+          </a:blip>
+          <a:srcRect/>
+          <a:stretch>
+            <a:fillRect/>
+          </a:stretch>
+        </p:blipFill>
+        <p:spPr bwMode="auto">
+          <a:xfrm>
+            <a:off x="755576" y="2348880"/>
+            <a:ext cx="7776718" cy="3568889"/>
+          </a:xfrm>
+          <a:prstGeom prst="rect">
+            <a:avLst/>
+          </a:prstGeom>
+          <a:noFill/>
+          <a:ln>
+            <a:noFill/>
+          </a:ln>
+          <a:effectLst/>
+          <a:extLst>
+            <a:ext uri="{909E8E84-426E-40DD-AFC4-6F175D3DCCD1}">
+              <a14:hiddenFill xmlns:a14="http://schemas.microsoft.com/office/drawing/2010/main">
+                <a:solidFill>
+                  <a:schemeClr val="accent1"/>
+                </a:solidFill>
+              </a14:hiddenFill>
+            </a:ext>
+            <a:ext uri="{91240B29-F687-4F45-9708-019B960494DF}">
+              <a14:hiddenLine xmlns:a14="http://schemas.microsoft.com/office/drawing/2010/main" w="9525">
+                <a:solidFill>
+                  <a:schemeClr val="tx1"/>
+                </a:solidFill>
+                <a:miter lim="800000"/>
+                <a:headEnd/>
+                <a:tailEnd/>
+              </a14:hiddenLine>
+            </a:ext>
+            <a:ext uri="{AF507438-7753-43E0-B8FC-AC1667EBCBE1}">
+              <a14:hiddenEffects xmlns:a14="http://schemas.microsoft.com/office/drawing/2010/main">
+                <a:effectLst>
+                  <a:outerShdw dist="35921" dir="2700000" algn="ctr" rotWithShape="0">
+                    <a:schemeClr val="bg2"/>
+                  </a:outerShdw>
+                </a:effectLst>
+              </a14:hiddenEffects>
+            </a:ext>
+          </a:extLst>
+        </p:spPr>
+      </p:pic>
+    </p:spTree>
+    <p:extLst>
+      <p:ext uri="{BB962C8B-B14F-4D97-AF65-F5344CB8AC3E}">
+        <p14:creationId xmlns:p14="http://schemas.microsoft.com/office/powerpoint/2010/main" val="185609624"/>
+      </p:ext>
+    </p:extLst>
+  </p:cSld>
+  <p:clrMapOvr>
+    <a:masterClrMapping/>
+  </p:clrMapOvr>
+  <p:timing>
+    <p:tnLst>
+      <p:par>
+        <p:cTn id="1" dur="indefinite" restart="never" nodeType="tmRoot"/>
+      </p:par>
+    </p:tnLst>
+  </p:timing>
+</p:sld>
+</file>
+
+<file path=ppt/slides/slide6.xml><?xml version="1.0" encoding="utf-8"?>
+<p:sld xmlns:a="http://schemas.openxmlformats.org/drawingml/2006/main" xmlns:r="http://schemas.openxmlformats.org/officeDocument/2006/relationships" xmlns:p="http://schemas.openxmlformats.org/presentationml/2006/main">
+  <p:cSld>
+    <p:spTree>
+      <p:nvGrpSpPr>
+        <p:cNvPr id="1" name=""/>
+        <p:cNvGrpSpPr/>
+        <p:nvPr/>
+      </p:nvGrpSpPr>
+      <p:grpSpPr>
+        <a:xfrm>
+          <a:off x="0" y="0"/>
+          <a:ext cx="0" cy="0"/>
+          <a:chOff x="0" y="0"/>
+          <a:chExt cx="0" cy="0"/>
+        </a:xfrm>
+      </p:grpSpPr>
+      <p:sp>
+        <p:nvSpPr>
+          <p:cNvPr id="2" name="Title 1"/>
+          <p:cNvSpPr>
+            <a:spLocks noGrp="1"/>
+          </p:cNvSpPr>
+          <p:nvPr>
+            <p:ph type="title"/>
+          </p:nvPr>
+        </p:nvSpPr>
+        <p:spPr/>
+        <p:txBody>
+          <a:bodyPr/>
+          <a:lstStyle/>
+          <a:p>
+            <a:pPr algn="ctr"/>
+            <a:r>
+              <a:rPr lang="en-US" dirty="0" smtClean="0"/>
+              <a:t>Architecture - II</a:t>
+            </a:r>
+            <a:endParaRPr lang="en-US" dirty="0"/>
+          </a:p>
+        </p:txBody>
+      </p:sp>
+      <p:pic>
+        <p:nvPicPr>
+          <p:cNvPr id="6146" name="Picture 2"/>
+          <p:cNvPicPr>
+            <a:picLocks noGrp="1" noChangeAspect="1" noChangeArrowheads="1"/>
+          </p:cNvPicPr>
+          <p:nvPr>
+            <p:ph idx="1"/>
+          </p:nvPr>
+        </p:nvPicPr>
+        <p:blipFill>
+          <a:blip r:embed="rId2">
+            <a:extLst>
+              <a:ext uri="{28A0092B-C50C-407E-A947-70E740481C1C}">
+                <a14:useLocalDpi xmlns:a14="http://schemas.microsoft.com/office/drawing/2010/main" val="0"/>
+              </a:ext>
+            </a:extLst>
+          </a:blip>
+          <a:srcRect/>
+          <a:stretch>
+            <a:fillRect/>
+          </a:stretch>
+        </p:blipFill>
+        <p:spPr bwMode="auto">
+          <a:xfrm>
+            <a:off x="1835696" y="1916832"/>
+            <a:ext cx="5453993" cy="4207755"/>
+          </a:xfrm>
+          <a:prstGeom prst="rect">
+            <a:avLst/>
+          </a:prstGeom>
+          <a:noFill/>
+          <a:ln>
+            <a:noFill/>
+          </a:ln>
+          <a:effectLst/>
+          <a:extLst>
+            <a:ext uri="{909E8E84-426E-40DD-AFC4-6F175D3DCCD1}">
+              <a14:hiddenFill xmlns:a14="http://schemas.microsoft.com/office/drawing/2010/main">
+                <a:solidFill>
+                  <a:schemeClr val="accent1"/>
+                </a:solidFill>
+              </a14:hiddenFill>
+            </a:ext>
+            <a:ext uri="{91240B29-F687-4F45-9708-019B960494DF}">
+              <a14:hiddenLine xmlns:a14="http://schemas.microsoft.com/office/drawing/2010/main" w="9525">
+                <a:solidFill>
+                  <a:schemeClr val="tx1"/>
+                </a:solidFill>
+                <a:miter lim="800000"/>
+                <a:headEnd/>
+                <a:tailEnd/>
+              </a14:hiddenLine>
+            </a:ext>
+            <a:ext uri="{AF507438-7753-43E0-B8FC-AC1667EBCBE1}">
+              <a14:hiddenEffects xmlns:a14="http://schemas.microsoft.com/office/drawing/2010/main">
+                <a:effectLst>
+                  <a:outerShdw dist="35921" dir="2700000" algn="ctr" rotWithShape="0">
+                    <a:schemeClr val="bg2"/>
+                  </a:outerShdw>
+                </a:effectLst>
+              </a14:hiddenEffects>
+            </a:ext>
+          </a:extLst>
+        </p:spPr>
+      </p:pic>
+    </p:spTree>
+    <p:extLst>
+      <p:ext uri="{BB962C8B-B14F-4D97-AF65-F5344CB8AC3E}">
+        <p14:creationId xmlns:p14="http://schemas.microsoft.com/office/powerpoint/2010/main" val="1720816785"/>
+      </p:ext>
+    </p:extLst>
+  </p:cSld>
+  <p:clrMapOvr>
+    <a:masterClrMapping/>
+  </p:clrMapOvr>
+  <p:timing>
+    <p:tnLst>
+      <p:par>
+        <p:cTn id="1" dur="indefinite" restart="never" nodeType="tmRoot"/>
+      </p:par>
+    </p:tnLst>
+  </p:timing>
+</p:sld>
+</file>
+
+<file path=ppt/slides/slide7.xml><?xml version="1.0" encoding="utf-8"?>
+<p:sld xmlns:a="http://schemas.openxmlformats.org/drawingml/2006/main" xmlns:r="http://schemas.openxmlformats.org/officeDocument/2006/relationships" xmlns:p="http://schemas.openxmlformats.org/presentationml/2006/main">
+  <p:cSld>
+    <p:spTree>
+      <p:nvGrpSpPr>
+        <p:cNvPr id="1" name=""/>
+        <p:cNvGrpSpPr/>
+        <p:nvPr/>
+      </p:nvGrpSpPr>
+      <p:grpSpPr>
+        <a:xfrm>
+          <a:off x="0" y="0"/>
+          <a:ext cx="0" cy="0"/>
+          <a:chOff x="0" y="0"/>
+          <a:chExt cx="0" cy="0"/>
+        </a:xfrm>
+      </p:grpSpPr>
+      <p:sp>
+        <p:nvSpPr>
+          <p:cNvPr id="2" name="Title 1"/>
+          <p:cNvSpPr>
+            <a:spLocks noGrp="1"/>
+          </p:cNvSpPr>
+          <p:nvPr>
+            <p:ph type="title"/>
+          </p:nvPr>
+        </p:nvSpPr>
+        <p:spPr/>
+        <p:txBody>
+          <a:bodyPr/>
+          <a:lstStyle/>
+          <a:p>
+            <a:pPr algn="ctr"/>
+            <a:r>
+              <a:rPr lang="en-US" dirty="0"/>
+              <a:t>Architecture - </a:t>
+            </a:r>
+            <a:r>
+              <a:rPr lang="en-US" dirty="0" smtClean="0"/>
+              <a:t>III</a:t>
+            </a:r>
+            <a:endParaRPr lang="en-US" dirty="0"/>
+          </a:p>
+        </p:txBody>
+      </p:sp>
+      <p:pic>
+        <p:nvPicPr>
+          <p:cNvPr id="7171" name="Picture 3"/>
+          <p:cNvPicPr>
+            <a:picLocks noGrp="1" noChangeAspect="1" noChangeArrowheads="1"/>
+          </p:cNvPicPr>
+          <p:nvPr>
+            <p:ph idx="1"/>
+          </p:nvPr>
+        </p:nvPicPr>
+        <p:blipFill>
+          <a:blip r:embed="rId2">
+            <a:extLst>
+              <a:ext uri="{28A0092B-C50C-407E-A947-70E740481C1C}">
+                <a14:useLocalDpi xmlns:a14="http://schemas.microsoft.com/office/drawing/2010/main" val="0"/>
+              </a:ext>
+            </a:extLst>
+          </a:blip>
+          <a:srcRect/>
+          <a:stretch>
+            <a:fillRect/>
+          </a:stretch>
+        </p:blipFill>
+        <p:spPr bwMode="auto">
+          <a:xfrm>
+            <a:off x="1582564" y="1935163"/>
+            <a:ext cx="5978872" cy="4389437"/>
+          </a:xfrm>
+          <a:prstGeom prst="rect">
+            <a:avLst/>
+          </a:prstGeom>
+          <a:noFill/>
+          <a:ln>
+            <a:noFill/>
+          </a:ln>
+          <a:effectLst/>
+          <a:extLst>
+            <a:ext uri="{909E8E84-426E-40DD-AFC4-6F175D3DCCD1}">
+              <a14:hiddenFill xmlns:a14="http://schemas.microsoft.com/office/drawing/2010/main">
+                <a:solidFill>
+                  <a:schemeClr val="accent1"/>
+                </a:solidFill>
+              </a14:hiddenFill>
+            </a:ext>
+            <a:ext uri="{91240B29-F687-4F45-9708-019B960494DF}">
+              <a14:hiddenLine xmlns:a14="http://schemas.microsoft.com/office/drawing/2010/main" w="9525">
+                <a:solidFill>
+                  <a:schemeClr val="tx1"/>
+                </a:solidFill>
+                <a:miter lim="800000"/>
+                <a:headEnd/>
+                <a:tailEnd/>
+              </a14:hiddenLine>
+            </a:ext>
+            <a:ext uri="{AF507438-7753-43E0-B8FC-AC1667EBCBE1}">
+              <a14:hiddenEffects xmlns:a14="http://schemas.microsoft.com/office/drawing/2010/main">
+                <a:effectLst>
+                  <a:outerShdw dist="35921" dir="2700000" algn="ctr" rotWithShape="0">
+                    <a:schemeClr val="bg2"/>
+                  </a:outerShdw>
+                </a:effectLst>
+              </a14:hiddenEffects>
+            </a:ext>
+          </a:extLst>
+        </p:spPr>
+      </p:pic>
+    </p:spTree>
+    <p:extLst>
+      <p:ext uri="{BB962C8B-B14F-4D97-AF65-F5344CB8AC3E}">
+        <p14:creationId xmlns:p14="http://schemas.microsoft.com/office/powerpoint/2010/main" val="727590060"/>
+      </p:ext>
+    </p:extLst>
+  </p:cSld>
+  <p:clrMapOvr>
+    <a:masterClrMapping/>
+  </p:clrMapOvr>
+  <p:timing>
+    <p:tnLst>
+      <p:par>
+        <p:cTn id="1" dur="indefinite" restart="never" nodeType="tmRoot"/>
+      </p:par>
+    </p:tnLst>
+  </p:timing>
+</p:sld>
+</file>
+
+<file path=ppt/slides/slide8.xml><?xml version="1.0" encoding="utf-8"?>
+<p:sld xmlns:a="http://schemas.openxmlformats.org/drawingml/2006/main" xmlns:r="http://schemas.openxmlformats.org/officeDocument/2006/relationships" xmlns:p="http://schemas.openxmlformats.org/presentationml/2006/main">
+  <p:cSld>
+    <p:spTree>
+      <p:nvGrpSpPr>
+        <p:cNvPr id="1" name=""/>
+        <p:cNvGrpSpPr/>
+        <p:nvPr/>
+      </p:nvGrpSpPr>
+      <p:grpSpPr>
+        <a:xfrm>
+          <a:off x="0" y="0"/>
+          <a:ext cx="0" cy="0"/>
+          <a:chOff x="0" y="0"/>
+          <a:chExt cx="0" cy="0"/>
+        </a:xfrm>
+      </p:grpSpPr>
+      <p:sp>
+        <p:nvSpPr>
+          <p:cNvPr id="2" name="Title 1"/>
+          <p:cNvSpPr>
+            <a:spLocks noGrp="1"/>
+          </p:cNvSpPr>
+          <p:nvPr>
+            <p:ph type="title"/>
+          </p:nvPr>
+        </p:nvSpPr>
+        <p:spPr>
+          <a:xfrm>
+            <a:off x="467544" y="332656"/>
+            <a:ext cx="8229600" cy="1143000"/>
+          </a:xfrm>
+        </p:spPr>
+        <p:txBody>
+          <a:bodyPr/>
+          <a:lstStyle/>
+          <a:p>
+            <a:pPr algn="ctr"/>
+            <a:r>
+              <a:rPr lang="en-US" dirty="0" smtClean="0"/>
+              <a:t>Database model</a:t>
+            </a:r>
+            <a:endParaRPr lang="en-US" dirty="0"/>
+          </a:p>
+        </p:txBody>
+      </p:sp>
+      <p:pic>
+        <p:nvPicPr>
+          <p:cNvPr id="8198" name="Picture 6"/>
+          <p:cNvPicPr>
+            <a:picLocks noGrp="1" noChangeAspect="1" noChangeArrowheads="1"/>
+          </p:cNvPicPr>
+          <p:nvPr>
+            <p:ph idx="1"/>
+          </p:nvPr>
+        </p:nvPicPr>
+        <p:blipFill>
+          <a:blip r:embed="rId2">
+            <a:extLst>
+              <a:ext uri="{28A0092B-C50C-407E-A947-70E740481C1C}">
+                <a14:useLocalDpi xmlns:a14="http://schemas.microsoft.com/office/drawing/2010/main" val="0"/>
+              </a:ext>
+            </a:extLst>
+          </a:blip>
+          <a:srcRect/>
+          <a:stretch>
+            <a:fillRect/>
+          </a:stretch>
+        </p:blipFill>
+        <p:spPr bwMode="auto">
+          <a:xfrm>
+            <a:off x="1547664" y="1700808"/>
+            <a:ext cx="6264696" cy="4690233"/>
+          </a:xfrm>
+          <a:prstGeom prst="rect">
+            <a:avLst/>
+          </a:prstGeom>
+          <a:noFill/>
+          <a:ln>
+            <a:noFill/>
+          </a:ln>
+          <a:effectLst/>
+          <a:extLst>
+            <a:ext uri="{909E8E84-426E-40DD-AFC4-6F175D3DCCD1}">
+              <a14:hiddenFill xmlns:a14="http://schemas.microsoft.com/office/drawing/2010/main">
+                <a:solidFill>
+                  <a:schemeClr val="accent1"/>
+                </a:solidFill>
+              </a14:hiddenFill>
+            </a:ext>
+            <a:ext uri="{91240B29-F687-4F45-9708-019B960494DF}">
+              <a14:hiddenLine xmlns:a14="http://schemas.microsoft.com/office/drawing/2010/main" w="9525">
+                <a:solidFill>
+                  <a:schemeClr val="tx1"/>
+                </a:solidFill>
+                <a:miter lim="800000"/>
+                <a:headEnd/>
+                <a:tailEnd/>
+              </a14:hiddenLine>
+            </a:ext>
+            <a:ext uri="{AF507438-7753-43E0-B8FC-AC1667EBCBE1}">
+              <a14:hiddenEffects xmlns:a14="http://schemas.microsoft.com/office/drawing/2010/main">
+                <a:effectLst>
+                  <a:outerShdw dist="35921" dir="2700000" algn="ctr" rotWithShape="0">
+                    <a:schemeClr val="bg2"/>
+                  </a:outerShdw>
+                </a:effectLst>
+              </a14:hiddenEffects>
+            </a:ext>
+          </a:extLst>
+        </p:spPr>
+      </p:pic>
+    </p:spTree>
+    <p:extLst>
+      <p:ext uri="{BB962C8B-B14F-4D97-AF65-F5344CB8AC3E}">
+        <p14:creationId xmlns:p14="http://schemas.microsoft.com/office/powerpoint/2010/main" val="1541935259"/>
+      </p:ext>
+    </p:extLst>
+  </p:cSld>
+  <p:clrMapOvr>
+    <a:masterClrMapping/>
+  </p:clrMapOvr>
+  <p:timing>
+    <p:tnLst>
+      <p:par>
+        <p:cTn id="1" dur="indefinite" restart="never" nodeType="tmRoot"/>
+      </p:par>
+    </p:tnLst>
+  </p:timing>
+</p:sld>
+</file>
+
+<file path=ppt/slides/slide9.xml><?xml version="1.0" encoding="utf-8"?>
+<p:sld xmlns:a="http://schemas.openxmlformats.org/drawingml/2006/main" xmlns:r="http://schemas.openxmlformats.org/officeDocument/2006/relationships" xmlns:p="http://schemas.openxmlformats.org/presentationml/2006/main">
+  <p:cSld>
+    <p:spTree>
+      <p:nvGrpSpPr>
+        <p:cNvPr id="1" name=""/>
+        <p:cNvGrpSpPr/>
+        <p:nvPr/>
+      </p:nvGrpSpPr>
+      <p:grpSpPr>
+        <a:xfrm>
+          <a:off x="0" y="0"/>
+          <a:ext cx="0" cy="0"/>
+          <a:chOff x="0" y="0"/>
+          <a:chExt cx="0" cy="0"/>
+        </a:xfrm>
+      </p:grpSpPr>
+      <p:sp>
+        <p:nvSpPr>
+          <p:cNvPr id="2" name="Title 1"/>
+          <p:cNvSpPr>
+            <a:spLocks noGrp="1"/>
+          </p:cNvSpPr>
+          <p:nvPr>
+            <p:ph type="title"/>
+          </p:nvPr>
+        </p:nvSpPr>
+        <p:spPr/>
+        <p:txBody>
+          <a:bodyPr/>
+          <a:lstStyle/>
+          <a:p>
+            <a:pPr algn="ctr"/>
+            <a:r>
+              <a:rPr lang="en-US" dirty="0" smtClean="0"/>
+              <a:t>Calculator</a:t>
+            </a:r>
+            <a:endParaRPr lang="en-US" dirty="0"/>
+          </a:p>
+        </p:txBody>
+      </p:sp>
+      <p:sp>
+        <p:nvSpPr>
+          <p:cNvPr id="3" name="Content Placeholder 2"/>
+          <p:cNvSpPr>
+            <a:spLocks noGrp="1"/>
+          </p:cNvSpPr>
+          <p:nvPr>
+            <p:ph idx="1"/>
+          </p:nvPr>
+        </p:nvSpPr>
+        <p:spPr/>
+        <p:txBody>
+          <a:bodyPr/>
+          <a:lstStyle/>
+          <a:p>
+            <a:pPr marL="0" indent="0">
+              <a:buNone/>
+            </a:pPr>
+            <a:endParaRPr lang="en-US" dirty="0"/>
+          </a:p>
+        </p:txBody>
+      </p:sp>
+      <p:pic>
+        <p:nvPicPr>
+          <p:cNvPr id="9218" name="Picture 2"/>
+          <p:cNvPicPr>
+            <a:picLocks noChangeAspect="1" noChangeArrowheads="1"/>
+          </p:cNvPicPr>
+          <p:nvPr/>
+        </p:nvPicPr>
+        <p:blipFill>
+          <a:blip r:embed="rId2">
+            <a:extLst>
+              <a:ext uri="{28A0092B-C50C-407E-A947-70E740481C1C}">
+                <a14:useLocalDpi xmlns:a14="http://schemas.microsoft.com/office/drawing/2010/main" val="0"/>
+              </a:ext>
+            </a:extLst>
+          </a:blip>
+          <a:srcRect/>
+          <a:stretch>
+            <a:fillRect/>
+          </a:stretch>
+        </p:blipFill>
+        <p:spPr bwMode="auto">
+          <a:xfrm>
+            <a:off x="2483768" y="2708920"/>
+            <a:ext cx="4295775" cy="2790825"/>
+          </a:xfrm>
+          <a:prstGeom prst="rect">
+            <a:avLst/>
+          </a:prstGeom>
+          <a:noFill/>
+          <a:ln>
+            <a:noFill/>
+          </a:ln>
+          <a:effectLst/>
+          <a:extLst>
+            <a:ext uri="{909E8E84-426E-40DD-AFC4-6F175D3DCCD1}">
+              <a14:hiddenFill xmlns:a14="http://schemas.microsoft.com/office/drawing/2010/main">
+                <a:solidFill>
+                  <a:schemeClr val="accent1"/>
+                </a:solidFill>
+              </a14:hiddenFill>
+            </a:ext>
+            <a:ext uri="{91240B29-F687-4F45-9708-019B960494DF}">
+              <a14:hiddenLine xmlns:a14="http://schemas.microsoft.com/office/drawing/2010/main" w="9525">
+                <a:solidFill>
+                  <a:schemeClr val="tx1"/>
+                </a:solidFill>
+                <a:miter lim="800000"/>
+                <a:headEnd/>
+                <a:tailEnd/>
+              </a14:hiddenLine>
+            </a:ext>
+            <a:ext uri="{AF507438-7753-43E0-B8FC-AC1667EBCBE1}">
+              <a14:hiddenEffects xmlns:a14="http://schemas.microsoft.com/office/drawing/2010/main">
+                <a:effectLst>
+                  <a:outerShdw dist="35921" dir="2700000" algn="ctr" rotWithShape="0">
+                    <a:schemeClr val="bg2"/>
+                  </a:outerShdw>
+                </a:effectLst>
+              </a14:hiddenEffects>
+            </a:ext>
+          </a:extLst>
+        </p:spPr>
+      </p:pic>
+    </p:spTree>
+    <p:extLst>
+      <p:ext uri="{BB962C8B-B14F-4D97-AF65-F5344CB8AC3E}">
+        <p14:creationId xmlns:p14="http://schemas.microsoft.com/office/powerpoint/2010/main" val="2533049402"/>
+      </p:ext>
+    </p:extLst>
+  </p:cSld>
+  <p:clrMapOvr>
+    <a:masterClrMapping/>
+  </p:clrMapOvr>
+  <p:timing>
+    <p:tnLst>
+      <p:par>
+        <p:cTn id="1" dur="indefinite" restart="never" nodeType="tmRoot"/>
+      </p:par>
+    </p:tnLst>
+  </p:timing>
 </p:sld>
 </file>
 

--- a/Documentation/Presentation.pptx
+++ b/Documentation/Presentation.pptx
@@ -5,15 +5,18 @@
     <p:sldMasterId id="2147483660" r:id="rId1"/>
   </p:sldMasterIdLst>
   <p:sldIdLst>
-    <p:sldId id="256" r:id="rId2"/>
-    <p:sldId id="257" r:id="rId3"/>
-    <p:sldId id="258" r:id="rId4"/>
-    <p:sldId id="259" r:id="rId5"/>
-    <p:sldId id="260" r:id="rId6"/>
-    <p:sldId id="261" r:id="rId7"/>
-    <p:sldId id="262" r:id="rId8"/>
-    <p:sldId id="263" r:id="rId9"/>
-    <p:sldId id="264" r:id="rId10"/>
+    <p:sldId id="267" r:id="rId2"/>
+    <p:sldId id="256" r:id="rId3"/>
+    <p:sldId id="257" r:id="rId4"/>
+    <p:sldId id="258" r:id="rId5"/>
+    <p:sldId id="259" r:id="rId6"/>
+    <p:sldId id="260" r:id="rId7"/>
+    <p:sldId id="261" r:id="rId8"/>
+    <p:sldId id="262" r:id="rId9"/>
+    <p:sldId id="263" r:id="rId10"/>
+    <p:sldId id="264" r:id="rId11"/>
+    <p:sldId id="265" r:id="rId12"/>
+    <p:sldId id="266" r:id="rId13"/>
   </p:sldIdLst>
   <p:sldSz cx="9144000" cy="6858000" type="screen4x3"/>
   <p:notesSz cx="6858000" cy="9144000"/>
@@ -3857,6 +3860,532 @@
       </p:grpSpPr>
       <p:sp>
         <p:nvSpPr>
+          <p:cNvPr id="2" name="Title 1"/>
+          <p:cNvSpPr>
+            <a:spLocks noGrp="1"/>
+          </p:cNvSpPr>
+          <p:nvPr>
+            <p:ph type="title"/>
+          </p:nvPr>
+        </p:nvSpPr>
+        <p:spPr/>
+        <p:txBody>
+          <a:bodyPr/>
+          <a:lstStyle/>
+          <a:p>
+            <a:pPr algn="ctr"/>
+            <a:r>
+              <a:rPr lang="en-US" dirty="0" smtClean="0"/>
+              <a:t>Agenda</a:t>
+            </a:r>
+            <a:endParaRPr lang="en-US" dirty="0"/>
+          </a:p>
+        </p:txBody>
+      </p:sp>
+      <p:sp>
+        <p:nvSpPr>
+          <p:cNvPr id="3" name="Content Placeholder 2"/>
+          <p:cNvSpPr>
+            <a:spLocks noGrp="1"/>
+          </p:cNvSpPr>
+          <p:nvPr>
+            <p:ph idx="1"/>
+          </p:nvPr>
+        </p:nvSpPr>
+        <p:spPr/>
+        <p:txBody>
+          <a:bodyPr/>
+          <a:lstStyle/>
+          <a:p>
+            <a:r>
+              <a:rPr lang="en-US" dirty="0" smtClean="0"/>
+              <a:t>Use cases requirements analysis</a:t>
+            </a:r>
+          </a:p>
+          <a:p>
+            <a:r>
+              <a:rPr lang="en-US" dirty="0" smtClean="0"/>
+              <a:t>Application architecture</a:t>
+            </a:r>
+          </a:p>
+          <a:p>
+            <a:r>
+              <a:rPr lang="en-US" dirty="0" smtClean="0"/>
+              <a:t>Database architecture</a:t>
+            </a:r>
+          </a:p>
+          <a:p>
+            <a:r>
+              <a:rPr lang="en-US" dirty="0" smtClean="0"/>
+              <a:t>Desktop calculator</a:t>
+            </a:r>
+          </a:p>
+          <a:p>
+            <a:r>
+              <a:rPr lang="en-US" dirty="0" smtClean="0"/>
+              <a:t>Readability test application</a:t>
+            </a:r>
+          </a:p>
+          <a:p>
+            <a:endParaRPr lang="en-US" dirty="0"/>
+          </a:p>
+        </p:txBody>
+      </p:sp>
+    </p:spTree>
+    <p:extLst>
+      <p:ext uri="{BB962C8B-B14F-4D97-AF65-F5344CB8AC3E}">
+        <p14:creationId xmlns:p14="http://schemas.microsoft.com/office/powerpoint/2010/main" val="2188226045"/>
+      </p:ext>
+    </p:extLst>
+  </p:cSld>
+  <p:clrMapOvr>
+    <a:masterClrMapping/>
+  </p:clrMapOvr>
+  <p:timing>
+    <p:tnLst>
+      <p:par>
+        <p:cTn id="1" dur="indefinite" restart="never" nodeType="tmRoot"/>
+      </p:par>
+    </p:tnLst>
+  </p:timing>
+</p:sld>
+</file>
+
+<file path=ppt/slides/slide10.xml><?xml version="1.0" encoding="utf-8"?>
+<p:sld xmlns:a="http://schemas.openxmlformats.org/drawingml/2006/main" xmlns:r="http://schemas.openxmlformats.org/officeDocument/2006/relationships" xmlns:p="http://schemas.openxmlformats.org/presentationml/2006/main">
+  <p:cSld>
+    <p:spTree>
+      <p:nvGrpSpPr>
+        <p:cNvPr id="1" name=""/>
+        <p:cNvGrpSpPr/>
+        <p:nvPr/>
+      </p:nvGrpSpPr>
+      <p:grpSpPr>
+        <a:xfrm>
+          <a:off x="0" y="0"/>
+          <a:ext cx="0" cy="0"/>
+          <a:chOff x="0" y="0"/>
+          <a:chExt cx="0" cy="0"/>
+        </a:xfrm>
+      </p:grpSpPr>
+      <p:sp>
+        <p:nvSpPr>
+          <p:cNvPr id="2" name="Title 1"/>
+          <p:cNvSpPr>
+            <a:spLocks noGrp="1"/>
+          </p:cNvSpPr>
+          <p:nvPr>
+            <p:ph type="title"/>
+          </p:nvPr>
+        </p:nvSpPr>
+        <p:spPr/>
+        <p:txBody>
+          <a:bodyPr/>
+          <a:lstStyle/>
+          <a:p>
+            <a:pPr algn="ctr"/>
+            <a:r>
+              <a:rPr lang="en-US" dirty="0" smtClean="0"/>
+              <a:t>Calculator</a:t>
+            </a:r>
+            <a:endParaRPr lang="en-US" dirty="0"/>
+          </a:p>
+        </p:txBody>
+      </p:sp>
+      <p:sp>
+        <p:nvSpPr>
+          <p:cNvPr id="3" name="Content Placeholder 2"/>
+          <p:cNvSpPr>
+            <a:spLocks noGrp="1"/>
+          </p:cNvSpPr>
+          <p:nvPr>
+            <p:ph idx="1"/>
+          </p:nvPr>
+        </p:nvSpPr>
+        <p:spPr/>
+        <p:txBody>
+          <a:bodyPr/>
+          <a:lstStyle/>
+          <a:p>
+            <a:r>
+              <a:rPr lang="en-US" dirty="0" smtClean="0"/>
+              <a:t>Widows Forms GUI</a:t>
+            </a:r>
+          </a:p>
+          <a:p>
+            <a:r>
+              <a:rPr lang="en-US" dirty="0" smtClean="0"/>
+              <a:t>Plugins API via reflection</a:t>
+            </a:r>
+            <a:endParaRPr lang="en-US" dirty="0"/>
+          </a:p>
+        </p:txBody>
+      </p:sp>
+      <p:pic>
+        <p:nvPicPr>
+          <p:cNvPr id="9218" name="Picture 2"/>
+          <p:cNvPicPr>
+            <a:picLocks noChangeAspect="1" noChangeArrowheads="1"/>
+          </p:cNvPicPr>
+          <p:nvPr/>
+        </p:nvPicPr>
+        <p:blipFill>
+          <a:blip r:embed="rId2">
+            <a:extLst>
+              <a:ext uri="{28A0092B-C50C-407E-A947-70E740481C1C}">
+                <a14:useLocalDpi xmlns:a14="http://schemas.microsoft.com/office/drawing/2010/main" val="0"/>
+              </a:ext>
+            </a:extLst>
+          </a:blip>
+          <a:srcRect/>
+          <a:stretch>
+            <a:fillRect/>
+          </a:stretch>
+        </p:blipFill>
+        <p:spPr bwMode="auto">
+          <a:xfrm>
+            <a:off x="2267744" y="3140968"/>
+            <a:ext cx="4876883" cy="3168352"/>
+          </a:xfrm>
+          <a:prstGeom prst="rect">
+            <a:avLst/>
+          </a:prstGeom>
+          <a:noFill/>
+          <a:ln>
+            <a:noFill/>
+          </a:ln>
+          <a:effectLst/>
+          <a:extLst>
+            <a:ext uri="{909E8E84-426E-40DD-AFC4-6F175D3DCCD1}">
+              <a14:hiddenFill xmlns:a14="http://schemas.microsoft.com/office/drawing/2010/main">
+                <a:solidFill>
+                  <a:schemeClr val="accent1"/>
+                </a:solidFill>
+              </a14:hiddenFill>
+            </a:ext>
+            <a:ext uri="{91240B29-F687-4F45-9708-019B960494DF}">
+              <a14:hiddenLine xmlns:a14="http://schemas.microsoft.com/office/drawing/2010/main" w="9525">
+                <a:solidFill>
+                  <a:schemeClr val="tx1"/>
+                </a:solidFill>
+                <a:miter lim="800000"/>
+                <a:headEnd/>
+                <a:tailEnd/>
+              </a14:hiddenLine>
+            </a:ext>
+            <a:ext uri="{AF507438-7753-43E0-B8FC-AC1667EBCBE1}">
+              <a14:hiddenEffects xmlns:a14="http://schemas.microsoft.com/office/drawing/2010/main">
+                <a:effectLst>
+                  <a:outerShdw dist="35921" dir="2700000" algn="ctr" rotWithShape="0">
+                    <a:schemeClr val="bg2"/>
+                  </a:outerShdw>
+                </a:effectLst>
+              </a14:hiddenEffects>
+            </a:ext>
+          </a:extLst>
+        </p:spPr>
+      </p:pic>
+    </p:spTree>
+    <p:extLst>
+      <p:ext uri="{BB962C8B-B14F-4D97-AF65-F5344CB8AC3E}">
+        <p14:creationId xmlns:p14="http://schemas.microsoft.com/office/powerpoint/2010/main" val="2533049402"/>
+      </p:ext>
+    </p:extLst>
+  </p:cSld>
+  <p:clrMapOvr>
+    <a:masterClrMapping/>
+  </p:clrMapOvr>
+  <p:timing>
+    <p:tnLst>
+      <p:par>
+        <p:cTn id="1" dur="indefinite" restart="never" nodeType="tmRoot"/>
+      </p:par>
+    </p:tnLst>
+  </p:timing>
+</p:sld>
+</file>
+
+<file path=ppt/slides/slide11.xml><?xml version="1.0" encoding="utf-8"?>
+<p:sld xmlns:a="http://schemas.openxmlformats.org/drawingml/2006/main" xmlns:r="http://schemas.openxmlformats.org/officeDocument/2006/relationships" xmlns:p="http://schemas.openxmlformats.org/presentationml/2006/main">
+  <p:cSld>
+    <p:spTree>
+      <p:nvGrpSpPr>
+        <p:cNvPr id="1" name=""/>
+        <p:cNvGrpSpPr/>
+        <p:nvPr/>
+      </p:nvGrpSpPr>
+      <p:grpSpPr>
+        <a:xfrm>
+          <a:off x="0" y="0"/>
+          <a:ext cx="0" cy="0"/>
+          <a:chOff x="0" y="0"/>
+          <a:chExt cx="0" cy="0"/>
+        </a:xfrm>
+      </p:grpSpPr>
+      <p:sp>
+        <p:nvSpPr>
+          <p:cNvPr id="2" name="Title 1"/>
+          <p:cNvSpPr>
+            <a:spLocks noGrp="1"/>
+          </p:cNvSpPr>
+          <p:nvPr>
+            <p:ph type="title"/>
+          </p:nvPr>
+        </p:nvSpPr>
+        <p:spPr/>
+        <p:txBody>
+          <a:bodyPr/>
+          <a:lstStyle/>
+          <a:p>
+            <a:pPr algn="ctr"/>
+            <a:r>
+              <a:rPr lang="en-US" dirty="0" smtClean="0"/>
+              <a:t>Readability test</a:t>
+            </a:r>
+            <a:endParaRPr lang="en-US" dirty="0"/>
+          </a:p>
+        </p:txBody>
+      </p:sp>
+      <p:sp>
+        <p:nvSpPr>
+          <p:cNvPr id="3" name="Content Placeholder 2"/>
+          <p:cNvSpPr>
+            <a:spLocks noGrp="1"/>
+          </p:cNvSpPr>
+          <p:nvPr>
+            <p:ph idx="1"/>
+          </p:nvPr>
+        </p:nvSpPr>
+        <p:spPr/>
+        <p:txBody>
+          <a:bodyPr/>
+          <a:lstStyle/>
+          <a:p>
+            <a:r>
+              <a:rPr lang="en-US" dirty="0" smtClean="0"/>
+              <a:t>GUI is not blocked until text is processed</a:t>
+            </a:r>
+          </a:p>
+          <a:p>
+            <a:r>
+              <a:rPr lang="en-US" dirty="0" smtClean="0"/>
+              <a:t>Stop, Pause, Resume are supported</a:t>
+            </a:r>
+            <a:endParaRPr lang="en-US" dirty="0"/>
+          </a:p>
+        </p:txBody>
+      </p:sp>
+      <p:pic>
+        <p:nvPicPr>
+          <p:cNvPr id="10242" name="Picture 2"/>
+          <p:cNvPicPr>
+            <a:picLocks noChangeAspect="1" noChangeArrowheads="1"/>
+          </p:cNvPicPr>
+          <p:nvPr/>
+        </p:nvPicPr>
+        <p:blipFill>
+          <a:blip r:embed="rId2">
+            <a:extLst>
+              <a:ext uri="{28A0092B-C50C-407E-A947-70E740481C1C}">
+                <a14:useLocalDpi xmlns:a14="http://schemas.microsoft.com/office/drawing/2010/main" val="0"/>
+              </a:ext>
+            </a:extLst>
+          </a:blip>
+          <a:srcRect/>
+          <a:stretch>
+            <a:fillRect/>
+          </a:stretch>
+        </p:blipFill>
+        <p:spPr bwMode="auto">
+          <a:xfrm>
+            <a:off x="1331639" y="3645024"/>
+            <a:ext cx="6998111" cy="1440160"/>
+          </a:xfrm>
+          <a:prstGeom prst="rect">
+            <a:avLst/>
+          </a:prstGeom>
+          <a:noFill/>
+          <a:ln>
+            <a:noFill/>
+          </a:ln>
+          <a:effectLst/>
+          <a:extLst>
+            <a:ext uri="{909E8E84-426E-40DD-AFC4-6F175D3DCCD1}">
+              <a14:hiddenFill xmlns:a14="http://schemas.microsoft.com/office/drawing/2010/main">
+                <a:solidFill>
+                  <a:schemeClr val="accent1"/>
+                </a:solidFill>
+              </a14:hiddenFill>
+            </a:ext>
+            <a:ext uri="{91240B29-F687-4F45-9708-019B960494DF}">
+              <a14:hiddenLine xmlns:a14="http://schemas.microsoft.com/office/drawing/2010/main" w="9525">
+                <a:solidFill>
+                  <a:schemeClr val="tx1"/>
+                </a:solidFill>
+                <a:miter lim="800000"/>
+                <a:headEnd/>
+                <a:tailEnd/>
+              </a14:hiddenLine>
+            </a:ext>
+            <a:ext uri="{AF507438-7753-43E0-B8FC-AC1667EBCBE1}">
+              <a14:hiddenEffects xmlns:a14="http://schemas.microsoft.com/office/drawing/2010/main">
+                <a:effectLst>
+                  <a:outerShdw dist="35921" dir="2700000" algn="ctr" rotWithShape="0">
+                    <a:schemeClr val="bg2"/>
+                  </a:outerShdw>
+                </a:effectLst>
+              </a14:hiddenEffects>
+            </a:ext>
+          </a:extLst>
+        </p:spPr>
+      </p:pic>
+    </p:spTree>
+    <p:extLst>
+      <p:ext uri="{BB962C8B-B14F-4D97-AF65-F5344CB8AC3E}">
+        <p14:creationId xmlns:p14="http://schemas.microsoft.com/office/powerpoint/2010/main" val="2873738651"/>
+      </p:ext>
+    </p:extLst>
+  </p:cSld>
+  <p:clrMapOvr>
+    <a:masterClrMapping/>
+  </p:clrMapOvr>
+  <p:timing>
+    <p:tnLst>
+      <p:par>
+        <p:cTn id="1" dur="indefinite" restart="never" nodeType="tmRoot"/>
+      </p:par>
+    </p:tnLst>
+  </p:timing>
+</p:sld>
+</file>
+
+<file path=ppt/slides/slide12.xml><?xml version="1.0" encoding="utf-8"?>
+<p:sld xmlns:a="http://schemas.openxmlformats.org/drawingml/2006/main" xmlns:r="http://schemas.openxmlformats.org/officeDocument/2006/relationships" xmlns:p="http://schemas.openxmlformats.org/presentationml/2006/main">
+  <p:cSld>
+    <p:spTree>
+      <p:nvGrpSpPr>
+        <p:cNvPr id="1" name=""/>
+        <p:cNvGrpSpPr/>
+        <p:nvPr/>
+      </p:nvGrpSpPr>
+      <p:grpSpPr>
+        <a:xfrm>
+          <a:off x="0" y="0"/>
+          <a:ext cx="0" cy="0"/>
+          <a:chOff x="0" y="0"/>
+          <a:chExt cx="0" cy="0"/>
+        </a:xfrm>
+      </p:grpSpPr>
+      <p:sp>
+        <p:nvSpPr>
+          <p:cNvPr id="2" name="Title 1"/>
+          <p:cNvSpPr>
+            <a:spLocks noGrp="1"/>
+          </p:cNvSpPr>
+          <p:nvPr>
+            <p:ph type="title"/>
+          </p:nvPr>
+        </p:nvSpPr>
+        <p:spPr/>
+        <p:txBody>
+          <a:bodyPr/>
+          <a:lstStyle/>
+          <a:p>
+            <a:pPr algn="ctr"/>
+            <a:r>
+              <a:rPr lang="en-US" dirty="0" smtClean="0"/>
+              <a:t>Summary</a:t>
+            </a:r>
+            <a:endParaRPr lang="en-US" dirty="0"/>
+          </a:p>
+        </p:txBody>
+      </p:sp>
+      <p:sp>
+        <p:nvSpPr>
+          <p:cNvPr id="3" name="Content Placeholder 2"/>
+          <p:cNvSpPr>
+            <a:spLocks noGrp="1"/>
+          </p:cNvSpPr>
+          <p:nvPr>
+            <p:ph idx="1"/>
+          </p:nvPr>
+        </p:nvSpPr>
+        <p:spPr/>
+        <p:txBody>
+          <a:bodyPr/>
+          <a:lstStyle/>
+          <a:p>
+            <a:r>
+              <a:rPr lang="en-US" dirty="0" smtClean="0"/>
+              <a:t>UML modeling</a:t>
+            </a:r>
+          </a:p>
+          <a:p>
+            <a:r>
+              <a:rPr lang="en-US" dirty="0" smtClean="0"/>
+              <a:t>Three-tier architecture</a:t>
+            </a:r>
+          </a:p>
+          <a:p>
+            <a:r>
+              <a:rPr lang="en-US" dirty="0" smtClean="0"/>
+              <a:t>Entity-relationship database modeling</a:t>
+            </a:r>
+          </a:p>
+          <a:p>
+            <a:r>
+              <a:rPr lang="en-US" dirty="0" smtClean="0"/>
+              <a:t>ASP.NET Web Forms framework</a:t>
+            </a:r>
+          </a:p>
+          <a:p>
+            <a:r>
+              <a:rPr lang="en-US" dirty="0" smtClean="0"/>
+              <a:t>Windows Forms framework</a:t>
+            </a:r>
+            <a:endParaRPr lang="en-US" dirty="0"/>
+          </a:p>
+        </p:txBody>
+      </p:sp>
+    </p:spTree>
+    <p:extLst>
+      <p:ext uri="{BB962C8B-B14F-4D97-AF65-F5344CB8AC3E}">
+        <p14:creationId xmlns:p14="http://schemas.microsoft.com/office/powerpoint/2010/main" val="1804222796"/>
+      </p:ext>
+    </p:extLst>
+  </p:cSld>
+  <p:clrMapOvr>
+    <a:masterClrMapping/>
+  </p:clrMapOvr>
+  <p:timing>
+    <p:tnLst>
+      <p:par>
+        <p:cTn id="1" dur="indefinite" restart="never" nodeType="tmRoot"/>
+      </p:par>
+    </p:tnLst>
+  </p:timing>
+</p:sld>
+</file>
+
+<file path=ppt/slides/slide2.xml><?xml version="1.0" encoding="utf-8"?>
+<p:sld xmlns:a="http://schemas.openxmlformats.org/drawingml/2006/main" xmlns:r="http://schemas.openxmlformats.org/officeDocument/2006/relationships" xmlns:p="http://schemas.openxmlformats.org/presentationml/2006/main">
+  <p:cSld>
+    <p:spTree>
+      <p:nvGrpSpPr>
+        <p:cNvPr id="1" name=""/>
+        <p:cNvGrpSpPr/>
+        <p:nvPr/>
+      </p:nvGrpSpPr>
+      <p:grpSpPr>
+        <a:xfrm>
+          <a:off x="0" y="0"/>
+          <a:ext cx="0" cy="0"/>
+          <a:chOff x="0" y="0"/>
+          <a:chExt cx="0" cy="0"/>
+        </a:xfrm>
+      </p:grpSpPr>
+      <p:sp>
+        <p:nvSpPr>
           <p:cNvPr id="4" name="Title 3"/>
           <p:cNvSpPr>
             <a:spLocks noGrp="1"/>
@@ -3975,10 +4504,17 @@
   <p:clrMapOvr>
     <a:masterClrMapping/>
   </p:clrMapOvr>
+  <p:timing>
+    <p:tnLst>
+      <p:par>
+        <p:cTn id="1" dur="indefinite" restart="never" nodeType="tmRoot"/>
+      </p:par>
+    </p:tnLst>
+  </p:timing>
 </p:sld>
 </file>
 
-<file path=ppt/slides/slide2.xml><?xml version="1.0" encoding="utf-8"?>
+<file path=ppt/slides/slide3.xml><?xml version="1.0" encoding="utf-8"?>
 <p:sld xmlns:a="http://schemas.openxmlformats.org/drawingml/2006/main" xmlns:r="http://schemas.openxmlformats.org/officeDocument/2006/relationships" xmlns:p="http://schemas.openxmlformats.org/presentationml/2006/main">
   <p:cSld>
     <p:spTree>
@@ -4115,10 +4651,17 @@
   <p:clrMapOvr>
     <a:masterClrMapping/>
   </p:clrMapOvr>
+  <p:timing>
+    <p:tnLst>
+      <p:par>
+        <p:cTn id="1" dur="indefinite" restart="never" nodeType="tmRoot"/>
+      </p:par>
+    </p:tnLst>
+  </p:timing>
 </p:sld>
 </file>
 
-<file path=ppt/slides/slide3.xml><?xml version="1.0" encoding="utf-8"?>
+<file path=ppt/slides/slide4.xml><?xml version="1.0" encoding="utf-8"?>
 <p:sld xmlns:a="http://schemas.openxmlformats.org/drawingml/2006/main" xmlns:r="http://schemas.openxmlformats.org/officeDocument/2006/relationships" xmlns:p="http://schemas.openxmlformats.org/presentationml/2006/main">
   <p:cSld>
     <p:spTree>
@@ -4255,10 +4798,17 @@
   <p:clrMapOvr>
     <a:masterClrMapping/>
   </p:clrMapOvr>
+  <p:timing>
+    <p:tnLst>
+      <p:par>
+        <p:cTn id="1" dur="indefinite" restart="never" nodeType="tmRoot"/>
+      </p:par>
+    </p:tnLst>
+  </p:timing>
 </p:sld>
 </file>
 
-<file path=ppt/slides/slide4.xml><?xml version="1.0" encoding="utf-8"?>
+<file path=ppt/slides/slide5.xml><?xml version="1.0" encoding="utf-8"?>
 <p:sld xmlns:a="http://schemas.openxmlformats.org/drawingml/2006/main" xmlns:r="http://schemas.openxmlformats.org/officeDocument/2006/relationships" xmlns:p="http://schemas.openxmlformats.org/presentationml/2006/main">
   <p:cSld>
     <p:spTree>
@@ -4385,7 +4935,7 @@
 </p:sld>
 </file>
 
-<file path=ppt/slides/slide5.xml><?xml version="1.0" encoding="utf-8"?>
+<file path=ppt/slides/slide6.xml><?xml version="1.0" encoding="utf-8"?>
 <p:sld xmlns:a="http://schemas.openxmlformats.org/drawingml/2006/main" xmlns:r="http://schemas.openxmlformats.org/officeDocument/2006/relationships" xmlns:p="http://schemas.openxmlformats.org/presentationml/2006/main">
   <p:cSld>
     <p:spTree>
@@ -4515,7 +5065,7 @@
 </p:sld>
 </file>
 
-<file path=ppt/slides/slide6.xml><?xml version="1.0" encoding="utf-8"?>
+<file path=ppt/slides/slide7.xml><?xml version="1.0" encoding="utf-8"?>
 <p:sld xmlns:a="http://schemas.openxmlformats.org/drawingml/2006/main" xmlns:r="http://schemas.openxmlformats.org/officeDocument/2006/relationships" xmlns:p="http://schemas.openxmlformats.org/presentationml/2006/main">
   <p:cSld>
     <p:spTree>
@@ -4642,7 +5192,7 @@
 </p:sld>
 </file>
 
-<file path=ppt/slides/slide7.xml><?xml version="1.0" encoding="utf-8"?>
+<file path=ppt/slides/slide8.xml><?xml version="1.0" encoding="utf-8"?>
 <p:sld xmlns:a="http://schemas.openxmlformats.org/drawingml/2006/main" xmlns:r="http://schemas.openxmlformats.org/officeDocument/2006/relationships" xmlns:p="http://schemas.openxmlformats.org/presentationml/2006/main">
   <p:cSld>
     <p:spTree>
@@ -4773,7 +5323,7 @@
 </p:sld>
 </file>
 
-<file path=ppt/slides/slide8.xml><?xml version="1.0" encoding="utf-8"?>
+<file path=ppt/slides/slide9.xml><?xml version="1.0" encoding="utf-8"?>
 <p:sld xmlns:a="http://schemas.openxmlformats.org/drawingml/2006/main" xmlns:r="http://schemas.openxmlformats.org/officeDocument/2006/relationships" xmlns:p="http://schemas.openxmlformats.org/presentationml/2006/main">
   <p:cSld>
     <p:spTree>
@@ -4889,153 +5439,6 @@
     <p:extLst>
       <p:ext uri="{BB962C8B-B14F-4D97-AF65-F5344CB8AC3E}">
         <p14:creationId xmlns:p14="http://schemas.microsoft.com/office/powerpoint/2010/main" val="1541935259"/>
-      </p:ext>
-    </p:extLst>
-  </p:cSld>
-  <p:clrMapOvr>
-    <a:masterClrMapping/>
-  </p:clrMapOvr>
-  <p:timing>
-    <p:tnLst>
-      <p:par>
-        <p:cTn id="1" dur="indefinite" restart="never" nodeType="tmRoot"/>
-      </p:par>
-    </p:tnLst>
-  </p:timing>
-</p:sld>
-</file>
-
-<file path=ppt/slides/slide9.xml><?xml version="1.0" encoding="utf-8"?>
-<p:sld xmlns:a="http://schemas.openxmlformats.org/drawingml/2006/main" xmlns:r="http://schemas.openxmlformats.org/officeDocument/2006/relationships" xmlns:p="http://schemas.openxmlformats.org/presentationml/2006/main">
-  <p:cSld>
-    <p:spTree>
-      <p:nvGrpSpPr>
-        <p:cNvPr id="1" name=""/>
-        <p:cNvGrpSpPr/>
-        <p:nvPr/>
-      </p:nvGrpSpPr>
-      <p:grpSpPr>
-        <a:xfrm>
-          <a:off x="0" y="0"/>
-          <a:ext cx="0" cy="0"/>
-          <a:chOff x="0" y="0"/>
-          <a:chExt cx="0" cy="0"/>
-        </a:xfrm>
-      </p:grpSpPr>
-      <p:sp>
-        <p:nvSpPr>
-          <p:cNvPr id="2" name="Title 1"/>
-          <p:cNvSpPr>
-            <a:spLocks noGrp="1"/>
-          </p:cNvSpPr>
-          <p:nvPr>
-            <p:ph type="title"/>
-          </p:nvPr>
-        </p:nvSpPr>
-        <p:spPr/>
-        <p:txBody>
-          <a:bodyPr/>
-          <a:lstStyle/>
-          <a:p>
-            <a:pPr algn="ctr"/>
-            <a:r>
-              <a:rPr lang="en-US" dirty="0" smtClean="0"/>
-              <a:t>Calculator</a:t>
-            </a:r>
-            <a:endParaRPr lang="en-US" dirty="0"/>
-          </a:p>
-        </p:txBody>
-      </p:sp>
-      <p:sp>
-        <p:nvSpPr>
-          <p:cNvPr id="3" name="Content Placeholder 2"/>
-          <p:cNvSpPr>
-            <a:spLocks noGrp="1"/>
-          </p:cNvSpPr>
-          <p:nvPr>
-            <p:ph idx="1"/>
-          </p:nvPr>
-        </p:nvSpPr>
-        <p:spPr/>
-        <p:txBody>
-          <a:bodyPr/>
-          <a:lstStyle/>
-          <a:p>
-            <a:pPr marL="0" indent="0">
-              <a:buNone/>
-            </a:pPr>
-            <a:endParaRPr lang="en-US" dirty="0"/>
-          </a:p>
-        </p:txBody>
-      </p:sp>
-      <p:pic>
-        <p:nvPicPr>
-          <p:cNvPr id="9218" name="Picture 2"/>
-          <p:cNvPicPr>
-            <a:picLocks noChangeAspect="1" noChangeArrowheads="1"/>
-          </p:cNvPicPr>
-          <p:nvPr/>
-        </p:nvPicPr>
-        <p:blipFill>
-          <a:blip r:embed="rId2">
-            <a:extLst>
-              <a:ext uri="{28A0092B-C50C-407E-A947-70E740481C1C}">
-                <a14:useLocalDpi xmlns:a14="http://schemas.microsoft.com/office/drawing/2010/main" val="0"/>
-              </a:ext>
-            </a:extLst>
-          </a:blip>
-          <a:srcRect/>
-          <a:stretch>
-            <a:fillRect/>
-          </a:stretch>
-        </p:blipFill>
-        <p:spPr bwMode="auto">
-          <a:xfrm>
-            <a:off x="2483768" y="2708920"/>
-            <a:ext cx="4295775" cy="2790825"/>
-          </a:xfrm>
-          <a:prstGeom prst="rect">
-            <a:avLst/>
-          </a:prstGeom>
-          <a:noFill/>
-          <a:ln>
-            <a:noFill/>
-          </a:ln>
-          <a:effectLst/>
-          <a:extLst>
-            <a:ext uri="{909E8E84-426E-40DD-AFC4-6F175D3DCCD1}">
-              <a14:hiddenFill xmlns:a14="http://schemas.microsoft.com/office/drawing/2010/main">
-                <a:solidFill>
-                  <a:schemeClr val="accent1"/>
-                </a:solidFill>
-              </a14:hiddenFill>
-            </a:ext>
-            <a:ext uri="{91240B29-F687-4F45-9708-019B960494DF}">
-              <a14:hiddenLine xmlns:a14="http://schemas.microsoft.com/office/drawing/2010/main" w="9525">
-                <a:solidFill>
-                  <a:schemeClr val="tx1"/>
-                </a:solidFill>
-                <a:miter lim="800000"/>
-                <a:headEnd/>
-                <a:tailEnd/>
-              </a14:hiddenLine>
-            </a:ext>
-            <a:ext uri="{AF507438-7753-43E0-B8FC-AC1667EBCBE1}">
-              <a14:hiddenEffects xmlns:a14="http://schemas.microsoft.com/office/drawing/2010/main">
-                <a:effectLst>
-                  <a:outerShdw dist="35921" dir="2700000" algn="ctr" rotWithShape="0">
-                    <a:schemeClr val="bg2"/>
-                  </a:outerShdw>
-                </a:effectLst>
-              </a14:hiddenEffects>
-            </a:ext>
-          </a:extLst>
-        </p:spPr>
-      </p:pic>
-    </p:spTree>
-    <p:extLst>
-      <p:ext uri="{BB962C8B-B14F-4D97-AF65-F5344CB8AC3E}">
-        <p14:creationId xmlns:p14="http://schemas.microsoft.com/office/powerpoint/2010/main" val="2533049402"/>
       </p:ext>
     </p:extLst>
   </p:cSld>
